--- a/reports/conceptual_presentation/Duayenler_Conceptual_Presentation_son.pptx
+++ b/reports/conceptual_presentation/Duayenler_Conceptual_Presentation_son.pptx
@@ -13170,7 +13170,7 @@
               </a:lnSpc>
             </a:pPr>
             <a:r>
-              <a:rPr lang="en-US" sz="4400" b="0" strike="noStrike" spc="-1">
+              <a:rPr lang="en-US" sz="4400" b="0" strike="noStrike" spc="-1" dirty="0">
                 <a:solidFill>
                   <a:srgbClr val="000000"/>
                 </a:solidFill>
@@ -13181,9 +13181,9 @@
                 </a:uFill>
                 <a:latin typeface="Calibri Light"/>
               </a:rPr>
-              <a:t>External Communication System</a:t>
+              <a:t>External Communication Subsystem</a:t>
             </a:r>
-            <a:endParaRPr lang="en-US" sz="1800" b="0" strike="noStrike" spc="-1">
+            <a:endParaRPr lang="en-US" sz="1800" b="0" strike="noStrike" spc="-1" dirty="0">
               <a:solidFill>
                 <a:srgbClr val="000000"/>
               </a:solidFill>
@@ -13579,7 +13579,7 @@
               </a:lnSpc>
             </a:pPr>
             <a:r>
-              <a:rPr lang="en-US" sz="4400" b="0" strike="noStrike" spc="-1">
+              <a:rPr lang="en-US" sz="4400" b="0" strike="noStrike" spc="-1" dirty="0">
                 <a:solidFill>
                   <a:srgbClr val="000000"/>
                 </a:solidFill>
@@ -13590,9 +13590,23 @@
                 </a:uFill>
                 <a:latin typeface="Calibri Light"/>
               </a:rPr>
-              <a:t>External Communication System</a:t>
+              <a:t>External Communication </a:t>
             </a:r>
-            <a:endParaRPr lang="en-US" sz="1800" b="0" strike="noStrike" spc="-1">
+            <a:r>
+              <a:rPr lang="en-US" sz="4400" spc="-1" dirty="0">
+                <a:solidFill>
+                  <a:srgbClr val="000000"/>
+                </a:solidFill>
+                <a:uFill>
+                  <a:solidFill>
+                    <a:srgbClr val="FFFFFF"/>
+                  </a:solidFill>
+                </a:uFill>
+                <a:latin typeface="Calibri Light"/>
+              </a:rPr>
+              <a:t>Subsystem</a:t>
+            </a:r>
+            <a:endParaRPr lang="en-US" sz="1800" b="0" strike="noStrike" spc="-1" dirty="0">
               <a:solidFill>
                 <a:srgbClr val="000000"/>
               </a:solidFill>
@@ -13998,7 +14012,21 @@
                 </a:uFill>
                 <a:latin typeface="Calibri Light"/>
               </a:rPr>
-              <a:t>External Communication System</a:t>
+              <a:t>External Communication </a:t>
+            </a:r>
+            <a:r>
+              <a:rPr lang="en-US" sz="4400" spc="-1" dirty="0">
+                <a:solidFill>
+                  <a:srgbClr val="000000"/>
+                </a:solidFill>
+                <a:uFill>
+                  <a:solidFill>
+                    <a:srgbClr val="FFFFFF"/>
+                  </a:solidFill>
+                </a:uFill>
+                <a:latin typeface="Calibri Light"/>
+              </a:rPr>
+              <a:t>Subsystem</a:t>
             </a:r>
             <a:endParaRPr lang="en-US" sz="1800" b="0" strike="noStrike" spc="-1" dirty="0">
               <a:solidFill>
@@ -14330,7 +14358,7 @@
               </a:lnSpc>
             </a:pPr>
             <a:r>
-              <a:rPr lang="en-US" sz="4400" b="0" strike="noStrike" spc="-1">
+              <a:rPr lang="en-US" sz="4400" b="0" strike="noStrike" spc="-1" dirty="0">
                 <a:solidFill>
                   <a:srgbClr val="000000"/>
                 </a:solidFill>
@@ -14341,9 +14369,37 @@
                 </a:uFill>
                 <a:latin typeface="Calibri Light"/>
               </a:rPr>
-              <a:t>External Communication System(Results)</a:t>
+              <a:t>External Communication </a:t>
             </a:r>
-            <a:endParaRPr lang="en-US" sz="1800" b="0" strike="noStrike" spc="-1">
+            <a:r>
+              <a:rPr lang="en-US" sz="4400" spc="-1" dirty="0">
+                <a:solidFill>
+                  <a:srgbClr val="000000"/>
+                </a:solidFill>
+                <a:uFill>
+                  <a:solidFill>
+                    <a:srgbClr val="FFFFFF"/>
+                  </a:solidFill>
+                </a:uFill>
+                <a:latin typeface="Calibri Light"/>
+              </a:rPr>
+              <a:t>Subsystem</a:t>
+            </a:r>
+            <a:r>
+              <a:rPr lang="en-US" sz="4400" b="0" strike="noStrike" spc="-1" dirty="0">
+                <a:solidFill>
+                  <a:srgbClr val="000000"/>
+                </a:solidFill>
+                <a:uFill>
+                  <a:solidFill>
+                    <a:srgbClr val="FFFFFF"/>
+                  </a:solidFill>
+                </a:uFill>
+                <a:latin typeface="Calibri Light"/>
+              </a:rPr>
+              <a:t>(Results)</a:t>
+            </a:r>
+            <a:endParaRPr lang="en-US" sz="1800" b="0" strike="noStrike" spc="-1" dirty="0">
               <a:solidFill>
                 <a:srgbClr val="000000"/>
               </a:solidFill>
@@ -14790,7 +14846,35 @@
                 </a:uFill>
                 <a:latin typeface="Calibri Light"/>
               </a:rPr>
-              <a:t>External Communication System(Results)</a:t>
+              <a:t>External Communication </a:t>
+            </a:r>
+            <a:r>
+              <a:rPr lang="en-US" sz="4400" spc="-1" dirty="0">
+                <a:solidFill>
+                  <a:srgbClr val="000000"/>
+                </a:solidFill>
+                <a:uFill>
+                  <a:solidFill>
+                    <a:srgbClr val="FFFFFF"/>
+                  </a:solidFill>
+                </a:uFill>
+                <a:latin typeface="Calibri Light"/>
+              </a:rPr>
+              <a:t>Subsystem</a:t>
+            </a:r>
+            <a:r>
+              <a:rPr lang="en-US" sz="4400" b="0" strike="noStrike" spc="-1" dirty="0">
+                <a:solidFill>
+                  <a:srgbClr val="000000"/>
+                </a:solidFill>
+                <a:uFill>
+                  <a:solidFill>
+                    <a:srgbClr val="FFFFFF"/>
+                  </a:solidFill>
+                </a:uFill>
+                <a:latin typeface="Calibri Light"/>
+              </a:rPr>
+              <a:t>(Results)</a:t>
             </a:r>
             <a:endParaRPr lang="en-US" sz="1800" b="0" strike="noStrike" spc="-1" dirty="0">
               <a:solidFill>
@@ -15212,7 +15296,35 @@
                 </a:uFill>
                 <a:latin typeface="Calibri Light"/>
               </a:rPr>
-              <a:t>External Communication System</a:t>
+              <a:t>External </a:t>
+            </a:r>
+            <a:r>
+              <a:rPr lang="en-US" sz="4400" b="0" strike="noStrike" spc="-1">
+                <a:solidFill>
+                  <a:srgbClr val="000000"/>
+                </a:solidFill>
+                <a:uFill>
+                  <a:solidFill>
+                    <a:srgbClr val="FFFFFF"/>
+                  </a:solidFill>
+                </a:uFill>
+                <a:latin typeface="Calibri Light"/>
+              </a:rPr>
+              <a:t>Communication </a:t>
+            </a:r>
+            <a:r>
+              <a:rPr lang="en-US" sz="4400" spc="-1">
+                <a:solidFill>
+                  <a:srgbClr val="000000"/>
+                </a:solidFill>
+                <a:uFill>
+                  <a:solidFill>
+                    <a:srgbClr val="FFFFFF"/>
+                  </a:solidFill>
+                </a:uFill>
+                <a:latin typeface="Calibri Light"/>
+              </a:rPr>
+              <a:t>Subsystem</a:t>
             </a:r>
             <a:endParaRPr lang="en-US" sz="1800" b="0" strike="noStrike" spc="-1" dirty="0">
               <a:solidFill>
